--- a/IT007 - Database/Thực hành Lab 1.pptx
+++ b/IT007 - Database/Thực hành Lab 1.pptx
@@ -213,7 +213,7 @@
           <a:p>
             <a:fld id="{263ACD1C-2A3C-4674-B5C6-4201F37CAA11}" type="datetimeFigureOut">
               <a:rPr lang="vi-VN" smtClean="0"/>
-              <a:t>28/10/2021</a:t>
+              <a:t>16/11/2021</a:t>
             </a:fld>
             <a:endParaRPr lang="vi-VN"/>
           </a:p>
@@ -793,9 +793,9 @@
           <a:bodyPr/>
           <a:lstStyle/>
           <a:p>
-            <a:fld id="{D6FD8ED2-2D9F-4C81-BE7D-991A79BF6488}" type="datetimeFigureOut">
+            <a:fld id="{693E3DFF-90D2-4A12-8238-BBE2123CD0B3}" type="datetime1">
               <a:rPr lang="vi-VN" smtClean="0"/>
-              <a:t>28/10/2021</a:t>
+              <a:t>16/11/2021</a:t>
             </a:fld>
             <a:endParaRPr lang="vi-VN"/>
           </a:p>
@@ -991,9 +991,9 @@
           <a:bodyPr/>
           <a:lstStyle/>
           <a:p>
-            <a:fld id="{D6FD8ED2-2D9F-4C81-BE7D-991A79BF6488}" type="datetimeFigureOut">
+            <a:fld id="{82FB4094-1939-40F5-9B1A-5EA18E2267F7}" type="datetime1">
               <a:rPr lang="vi-VN" smtClean="0"/>
-              <a:t>28/10/2021</a:t>
+              <a:t>16/11/2021</a:t>
             </a:fld>
             <a:endParaRPr lang="vi-VN"/>
           </a:p>
@@ -1199,9 +1199,9 @@
           <a:bodyPr/>
           <a:lstStyle/>
           <a:p>
-            <a:fld id="{D6FD8ED2-2D9F-4C81-BE7D-991A79BF6488}" type="datetimeFigureOut">
+            <a:fld id="{921396C7-E0BF-4494-A8CC-440BD9E98F1F}" type="datetime1">
               <a:rPr lang="vi-VN" smtClean="0"/>
-              <a:t>28/10/2021</a:t>
+              <a:t>16/11/2021</a:t>
             </a:fld>
             <a:endParaRPr lang="vi-VN"/>
           </a:p>
@@ -1397,9 +1397,9 @@
           <a:bodyPr/>
           <a:lstStyle/>
           <a:p>
-            <a:fld id="{D6FD8ED2-2D9F-4C81-BE7D-991A79BF6488}" type="datetimeFigureOut">
+            <a:fld id="{62B28B97-562E-48D3-91E6-9A24DBCA0127}" type="datetime1">
               <a:rPr lang="vi-VN" smtClean="0"/>
-              <a:t>28/10/2021</a:t>
+              <a:t>16/11/2021</a:t>
             </a:fld>
             <a:endParaRPr lang="vi-VN"/>
           </a:p>
@@ -1672,9 +1672,9 @@
           <a:bodyPr/>
           <a:lstStyle/>
           <a:p>
-            <a:fld id="{D6FD8ED2-2D9F-4C81-BE7D-991A79BF6488}" type="datetimeFigureOut">
+            <a:fld id="{77CFDECA-064A-41D2-9881-670CE13B9CE2}" type="datetime1">
               <a:rPr lang="vi-VN" smtClean="0"/>
-              <a:t>28/10/2021</a:t>
+              <a:t>16/11/2021</a:t>
             </a:fld>
             <a:endParaRPr lang="vi-VN"/>
           </a:p>
@@ -1937,9 +1937,9 @@
           <a:bodyPr/>
           <a:lstStyle/>
           <a:p>
-            <a:fld id="{D6FD8ED2-2D9F-4C81-BE7D-991A79BF6488}" type="datetimeFigureOut">
+            <a:fld id="{BBE73565-F06A-472B-A3B1-B15E5E035AD7}" type="datetime1">
               <a:rPr lang="vi-VN" smtClean="0"/>
-              <a:t>28/10/2021</a:t>
+              <a:t>16/11/2021</a:t>
             </a:fld>
             <a:endParaRPr lang="vi-VN"/>
           </a:p>
@@ -2349,9 +2349,9 @@
           <a:bodyPr/>
           <a:lstStyle/>
           <a:p>
-            <a:fld id="{D6FD8ED2-2D9F-4C81-BE7D-991A79BF6488}" type="datetimeFigureOut">
+            <a:fld id="{15E85B6D-B853-49E9-A844-B38235C5C2A9}" type="datetime1">
               <a:rPr lang="vi-VN" smtClean="0"/>
-              <a:t>28/10/2021</a:t>
+              <a:t>16/11/2021</a:t>
             </a:fld>
             <a:endParaRPr lang="vi-VN"/>
           </a:p>
@@ -2490,9 +2490,9 @@
           <a:bodyPr/>
           <a:lstStyle/>
           <a:p>
-            <a:fld id="{D6FD8ED2-2D9F-4C81-BE7D-991A79BF6488}" type="datetimeFigureOut">
+            <a:fld id="{9E19729D-6A7E-4123-9679-40D54DA5C752}" type="datetime1">
               <a:rPr lang="vi-VN" smtClean="0"/>
-              <a:t>28/10/2021</a:t>
+              <a:t>16/11/2021</a:t>
             </a:fld>
             <a:endParaRPr lang="vi-VN"/>
           </a:p>
@@ -2603,9 +2603,9 @@
           <a:bodyPr/>
           <a:lstStyle/>
           <a:p>
-            <a:fld id="{D6FD8ED2-2D9F-4C81-BE7D-991A79BF6488}" type="datetimeFigureOut">
+            <a:fld id="{50571D44-6B3C-402F-8EBC-B22E09C1BBC3}" type="datetime1">
               <a:rPr lang="vi-VN" smtClean="0"/>
-              <a:t>28/10/2021</a:t>
+              <a:t>16/11/2021</a:t>
             </a:fld>
             <a:endParaRPr lang="vi-VN"/>
           </a:p>
@@ -2914,9 +2914,9 @@
           <a:bodyPr/>
           <a:lstStyle/>
           <a:p>
-            <a:fld id="{D6FD8ED2-2D9F-4C81-BE7D-991A79BF6488}" type="datetimeFigureOut">
+            <a:fld id="{3B72B2D7-CEA4-410E-9F96-87D6AED2F433}" type="datetime1">
               <a:rPr lang="vi-VN" smtClean="0"/>
-              <a:t>28/10/2021</a:t>
+              <a:t>16/11/2021</a:t>
             </a:fld>
             <a:endParaRPr lang="vi-VN"/>
           </a:p>
@@ -3202,9 +3202,9 @@
           <a:bodyPr/>
           <a:lstStyle/>
           <a:p>
-            <a:fld id="{D6FD8ED2-2D9F-4C81-BE7D-991A79BF6488}" type="datetimeFigureOut">
+            <a:fld id="{1E8E1F92-22D8-4B78-B7B6-4643DF684E04}" type="datetime1">
               <a:rPr lang="vi-VN" smtClean="0"/>
-              <a:t>28/10/2021</a:t>
+              <a:t>16/11/2021</a:t>
             </a:fld>
             <a:endParaRPr lang="vi-VN"/>
           </a:p>
@@ -3443,9 +3443,9 @@
             </a:lvl1pPr>
           </a:lstStyle>
           <a:p>
-            <a:fld id="{D6FD8ED2-2D9F-4C81-BE7D-991A79BF6488}" type="datetimeFigureOut">
+            <a:fld id="{22770B37-AC1A-4B23-9C08-C8F61047010F}" type="datetime1">
               <a:rPr lang="vi-VN" smtClean="0"/>
-              <a:t>28/10/2021</a:t>
+              <a:t>16/11/2021</a:t>
             </a:fld>
             <a:endParaRPr lang="vi-VN"/>
           </a:p>
@@ -3562,6 +3562,7 @@
     <p:sldLayoutId id="2147483658" r:id="rId10"/>
     <p:sldLayoutId id="2147483659" r:id="rId11"/>
   </p:sldLayoutIdLst>
+  <p:hf hdr="0" ftr="0" dt="0"/>
   <p:txStyles>
     <p:titleStyle>
       <a:lvl1pPr algn="l" defTabSz="914400" rtl="0" eaLnBrk="1" latinLnBrk="0" hangingPunct="1">
@@ -3955,6 +3956,35 @@
           </a:p>
         </p:txBody>
       </p:sp>
+      <p:sp>
+        <p:nvSpPr>
+          <p:cNvPr id="4" name="Chỗ dành sẵn cho Số hiệu Bản chiếu 3">
+            <a:extLst>
+              <a:ext uri="{FF2B5EF4-FFF2-40B4-BE49-F238E27FC236}">
+                <a16:creationId xmlns:a16="http://schemas.microsoft.com/office/drawing/2014/main" id="{38E9548F-36BF-4BC0-A236-0094031864EA}"/>
+              </a:ext>
+            </a:extLst>
+          </p:cNvPr>
+          <p:cNvSpPr>
+            <a:spLocks noGrp="1"/>
+          </p:cNvSpPr>
+          <p:nvPr>
+            <p:ph type="sldNum" sz="quarter" idx="12"/>
+          </p:nvPr>
+        </p:nvSpPr>
+        <p:spPr/>
+        <p:txBody>
+          <a:bodyPr/>
+          <a:lstStyle/>
+          <a:p>
+            <a:fld id="{369936ED-89B5-49BF-A03F-054AD1687037}" type="slidenum">
+              <a:rPr lang="vi-VN" smtClean="0"/>
+              <a:t>1</a:t>
+            </a:fld>
+            <a:endParaRPr lang="vi-VN"/>
+          </a:p>
+        </p:txBody>
+      </p:sp>
     </p:spTree>
     <p:extLst>
       <p:ext uri="{BB962C8B-B14F-4D97-AF65-F5344CB8AC3E}">
@@ -4152,6 +4182,35 @@
           </a:p>
         </p:txBody>
       </p:sp>
+      <p:sp>
+        <p:nvSpPr>
+          <p:cNvPr id="4" name="Chỗ dành sẵn cho Số hiệu Bản chiếu 3">
+            <a:extLst>
+              <a:ext uri="{FF2B5EF4-FFF2-40B4-BE49-F238E27FC236}">
+                <a16:creationId xmlns:a16="http://schemas.microsoft.com/office/drawing/2014/main" id="{87ECD787-E00A-4298-A20B-ED115F42109F}"/>
+              </a:ext>
+            </a:extLst>
+          </p:cNvPr>
+          <p:cNvSpPr>
+            <a:spLocks noGrp="1"/>
+          </p:cNvSpPr>
+          <p:nvPr>
+            <p:ph type="sldNum" sz="quarter" idx="12"/>
+          </p:nvPr>
+        </p:nvSpPr>
+        <p:spPr/>
+        <p:txBody>
+          <a:bodyPr/>
+          <a:lstStyle/>
+          <a:p>
+            <a:fld id="{369936ED-89B5-49BF-A03F-054AD1687037}" type="slidenum">
+              <a:rPr lang="vi-VN" smtClean="0"/>
+              <a:t>10</a:t>
+            </a:fld>
+            <a:endParaRPr lang="vi-VN"/>
+          </a:p>
+        </p:txBody>
+      </p:sp>
     </p:spTree>
     <p:extLst>
       <p:ext uri="{BB962C8B-B14F-4D97-AF65-F5344CB8AC3E}">
@@ -4304,6 +4363,35 @@
           </a:p>
         </p:txBody>
       </p:sp>
+      <p:sp>
+        <p:nvSpPr>
+          <p:cNvPr id="4" name="Chỗ dành sẵn cho Số hiệu Bản chiếu 3">
+            <a:extLst>
+              <a:ext uri="{FF2B5EF4-FFF2-40B4-BE49-F238E27FC236}">
+                <a16:creationId xmlns:a16="http://schemas.microsoft.com/office/drawing/2014/main" id="{37267B05-ECFF-4163-B09C-15565F42836A}"/>
+              </a:ext>
+            </a:extLst>
+          </p:cNvPr>
+          <p:cNvSpPr>
+            <a:spLocks noGrp="1"/>
+          </p:cNvSpPr>
+          <p:nvPr>
+            <p:ph type="sldNum" sz="quarter" idx="12"/>
+          </p:nvPr>
+        </p:nvSpPr>
+        <p:spPr/>
+        <p:txBody>
+          <a:bodyPr/>
+          <a:lstStyle/>
+          <a:p>
+            <a:fld id="{369936ED-89B5-49BF-A03F-054AD1687037}" type="slidenum">
+              <a:rPr lang="vi-VN" smtClean="0"/>
+              <a:t>11</a:t>
+            </a:fld>
+            <a:endParaRPr lang="vi-VN"/>
+          </a:p>
+        </p:txBody>
+      </p:sp>
     </p:spTree>
     <p:extLst>
       <p:ext uri="{BB962C8B-B14F-4D97-AF65-F5344CB8AC3E}">
@@ -4470,6 +4558,35 @@
           </a:p>
         </p:txBody>
       </p:sp>
+      <p:sp>
+        <p:nvSpPr>
+          <p:cNvPr id="4" name="Chỗ dành sẵn cho Số hiệu Bản chiếu 3">
+            <a:extLst>
+              <a:ext uri="{FF2B5EF4-FFF2-40B4-BE49-F238E27FC236}">
+                <a16:creationId xmlns:a16="http://schemas.microsoft.com/office/drawing/2014/main" id="{F27F4ADA-6264-443E-9D84-48586DE95A3B}"/>
+              </a:ext>
+            </a:extLst>
+          </p:cNvPr>
+          <p:cNvSpPr>
+            <a:spLocks noGrp="1"/>
+          </p:cNvSpPr>
+          <p:nvPr>
+            <p:ph type="sldNum" sz="quarter" idx="12"/>
+          </p:nvPr>
+        </p:nvSpPr>
+        <p:spPr/>
+        <p:txBody>
+          <a:bodyPr/>
+          <a:lstStyle/>
+          <a:p>
+            <a:fld id="{369936ED-89B5-49BF-A03F-054AD1687037}" type="slidenum">
+              <a:rPr lang="vi-VN" smtClean="0"/>
+              <a:t>12</a:t>
+            </a:fld>
+            <a:endParaRPr lang="vi-VN"/>
+          </a:p>
+        </p:txBody>
+      </p:sp>
     </p:spTree>
     <p:extLst>
       <p:ext uri="{BB962C8B-B14F-4D97-AF65-F5344CB8AC3E}">
@@ -4664,6 +4781,35 @@
           </a:p>
         </p:txBody>
       </p:sp>
+      <p:sp>
+        <p:nvSpPr>
+          <p:cNvPr id="4" name="Chỗ dành sẵn cho Số hiệu Bản chiếu 3">
+            <a:extLst>
+              <a:ext uri="{FF2B5EF4-FFF2-40B4-BE49-F238E27FC236}">
+                <a16:creationId xmlns:a16="http://schemas.microsoft.com/office/drawing/2014/main" id="{8AB6B089-8231-4AF5-B93F-0AF3DFE63745}"/>
+              </a:ext>
+            </a:extLst>
+          </p:cNvPr>
+          <p:cNvSpPr>
+            <a:spLocks noGrp="1"/>
+          </p:cNvSpPr>
+          <p:nvPr>
+            <p:ph type="sldNum" sz="quarter" idx="12"/>
+          </p:nvPr>
+        </p:nvSpPr>
+        <p:spPr/>
+        <p:txBody>
+          <a:bodyPr/>
+          <a:lstStyle/>
+          <a:p>
+            <a:fld id="{369936ED-89B5-49BF-A03F-054AD1687037}" type="slidenum">
+              <a:rPr lang="vi-VN" smtClean="0"/>
+              <a:t>13</a:t>
+            </a:fld>
+            <a:endParaRPr lang="vi-VN"/>
+          </a:p>
+        </p:txBody>
+      </p:sp>
     </p:spTree>
     <p:extLst>
       <p:ext uri="{BB962C8B-B14F-4D97-AF65-F5344CB8AC3E}">
@@ -4962,6 +5108,35 @@
           </a:p>
         </p:txBody>
       </p:sp>
+      <p:sp>
+        <p:nvSpPr>
+          <p:cNvPr id="4" name="Chỗ dành sẵn cho Số hiệu Bản chiếu 3">
+            <a:extLst>
+              <a:ext uri="{FF2B5EF4-FFF2-40B4-BE49-F238E27FC236}">
+                <a16:creationId xmlns:a16="http://schemas.microsoft.com/office/drawing/2014/main" id="{DEFE1A0D-0DB4-47DF-A1E0-5D735D3C9CCE}"/>
+              </a:ext>
+            </a:extLst>
+          </p:cNvPr>
+          <p:cNvSpPr>
+            <a:spLocks noGrp="1"/>
+          </p:cNvSpPr>
+          <p:nvPr>
+            <p:ph type="sldNum" sz="quarter" idx="12"/>
+          </p:nvPr>
+        </p:nvSpPr>
+        <p:spPr/>
+        <p:txBody>
+          <a:bodyPr/>
+          <a:lstStyle/>
+          <a:p>
+            <a:fld id="{369936ED-89B5-49BF-A03F-054AD1687037}" type="slidenum">
+              <a:rPr lang="vi-VN" smtClean="0"/>
+              <a:t>14</a:t>
+            </a:fld>
+            <a:endParaRPr lang="vi-VN"/>
+          </a:p>
+        </p:txBody>
+      </p:sp>
     </p:spTree>
     <p:extLst>
       <p:ext uri="{BB962C8B-B14F-4D97-AF65-F5344CB8AC3E}">
@@ -5129,6 +5304,35 @@
           </a:p>
         </p:txBody>
       </p:sp>
+      <p:sp>
+        <p:nvSpPr>
+          <p:cNvPr id="4" name="Chỗ dành sẵn cho Số hiệu Bản chiếu 3">
+            <a:extLst>
+              <a:ext uri="{FF2B5EF4-FFF2-40B4-BE49-F238E27FC236}">
+                <a16:creationId xmlns:a16="http://schemas.microsoft.com/office/drawing/2014/main" id="{01DC58C3-1333-4615-BC6B-7A7909697D6E}"/>
+              </a:ext>
+            </a:extLst>
+          </p:cNvPr>
+          <p:cNvSpPr>
+            <a:spLocks noGrp="1"/>
+          </p:cNvSpPr>
+          <p:nvPr>
+            <p:ph type="sldNum" sz="quarter" idx="12"/>
+          </p:nvPr>
+        </p:nvSpPr>
+        <p:spPr/>
+        <p:txBody>
+          <a:bodyPr/>
+          <a:lstStyle/>
+          <a:p>
+            <a:fld id="{369936ED-89B5-49BF-A03F-054AD1687037}" type="slidenum">
+              <a:rPr lang="vi-VN" smtClean="0"/>
+              <a:t>15</a:t>
+            </a:fld>
+            <a:endParaRPr lang="vi-VN"/>
+          </a:p>
+        </p:txBody>
+      </p:sp>
     </p:spTree>
     <p:extLst>
       <p:ext uri="{BB962C8B-B14F-4D97-AF65-F5344CB8AC3E}">
@@ -5297,6 +5501,35 @@
           </a:p>
         </p:txBody>
       </p:sp>
+      <p:sp>
+        <p:nvSpPr>
+          <p:cNvPr id="4" name="Chỗ dành sẵn cho Số hiệu Bản chiếu 3">
+            <a:extLst>
+              <a:ext uri="{FF2B5EF4-FFF2-40B4-BE49-F238E27FC236}">
+                <a16:creationId xmlns:a16="http://schemas.microsoft.com/office/drawing/2014/main" id="{EC6B229A-9EFF-449F-89AD-75A5B73F4A5E}"/>
+              </a:ext>
+            </a:extLst>
+          </p:cNvPr>
+          <p:cNvSpPr>
+            <a:spLocks noGrp="1"/>
+          </p:cNvSpPr>
+          <p:nvPr>
+            <p:ph type="sldNum" sz="quarter" idx="12"/>
+          </p:nvPr>
+        </p:nvSpPr>
+        <p:spPr/>
+        <p:txBody>
+          <a:bodyPr/>
+          <a:lstStyle/>
+          <a:p>
+            <a:fld id="{369936ED-89B5-49BF-A03F-054AD1687037}" type="slidenum">
+              <a:rPr lang="vi-VN" smtClean="0"/>
+              <a:t>16</a:t>
+            </a:fld>
+            <a:endParaRPr lang="vi-VN"/>
+          </a:p>
+        </p:txBody>
+      </p:sp>
     </p:spTree>
     <p:extLst>
       <p:ext uri="{BB962C8B-B14F-4D97-AF65-F5344CB8AC3E}">
@@ -5356,8 +5589,8 @@
           </a:p>
         </p:txBody>
       </p:sp>
-      <mc:AlternateContent xmlns:mc="http://schemas.openxmlformats.org/markup-compatibility/2006">
-        <mc:Choice xmlns:a14="http://schemas.microsoft.com/office/drawing/2010/main" Requires="a14">
+      <mc:AlternateContent xmlns:mc="http://schemas.openxmlformats.org/markup-compatibility/2006" xmlns:a14="http://schemas.microsoft.com/office/drawing/2010/main">
+        <mc:Choice Requires="a14">
           <p:sp>
             <p:nvSpPr>
               <p:cNvPr id="3" name="Chỗ dành sẵn cho Nội dung 2">
@@ -5421,7 +5654,7 @@
             </p:txBody>
           </p:sp>
         </mc:Choice>
-        <mc:Fallback>
+        <mc:Fallback xmlns="">
           <p:sp>
             <p:nvSpPr>
               <p:cNvPr id="3" name="Chỗ dành sẵn cho Nội dung 2">
@@ -5461,6 +5694,35 @@
           </p:sp>
         </mc:Fallback>
       </mc:AlternateContent>
+      <p:sp>
+        <p:nvSpPr>
+          <p:cNvPr id="4" name="Chỗ dành sẵn cho Số hiệu Bản chiếu 3">
+            <a:extLst>
+              <a:ext uri="{FF2B5EF4-FFF2-40B4-BE49-F238E27FC236}">
+                <a16:creationId xmlns:a16="http://schemas.microsoft.com/office/drawing/2014/main" id="{AC5AF71E-F2A2-406C-9B4E-25BC11B28C4C}"/>
+              </a:ext>
+            </a:extLst>
+          </p:cNvPr>
+          <p:cNvSpPr>
+            <a:spLocks noGrp="1"/>
+          </p:cNvSpPr>
+          <p:nvPr>
+            <p:ph type="sldNum" sz="quarter" idx="12"/>
+          </p:nvPr>
+        </p:nvSpPr>
+        <p:spPr/>
+        <p:txBody>
+          <a:bodyPr/>
+          <a:lstStyle/>
+          <a:p>
+            <a:fld id="{369936ED-89B5-49BF-A03F-054AD1687037}" type="slidenum">
+              <a:rPr lang="vi-VN" smtClean="0"/>
+              <a:t>17</a:t>
+            </a:fld>
+            <a:endParaRPr lang="vi-VN"/>
+          </a:p>
+        </p:txBody>
+      </p:sp>
     </p:spTree>
     <p:extLst>
       <p:ext uri="{BB962C8B-B14F-4D97-AF65-F5344CB8AC3E}">
@@ -5561,6 +5823,35 @@
           </a:p>
         </p:txBody>
       </p:sp>
+      <p:sp>
+        <p:nvSpPr>
+          <p:cNvPr id="4" name="Chỗ dành sẵn cho Số hiệu Bản chiếu 3">
+            <a:extLst>
+              <a:ext uri="{FF2B5EF4-FFF2-40B4-BE49-F238E27FC236}">
+                <a16:creationId xmlns:a16="http://schemas.microsoft.com/office/drawing/2014/main" id="{2C7D29B0-143E-4E5D-8941-8332DA3DF3C9}"/>
+              </a:ext>
+            </a:extLst>
+          </p:cNvPr>
+          <p:cNvSpPr>
+            <a:spLocks noGrp="1"/>
+          </p:cNvSpPr>
+          <p:nvPr>
+            <p:ph type="sldNum" sz="quarter" idx="12"/>
+          </p:nvPr>
+        </p:nvSpPr>
+        <p:spPr/>
+        <p:txBody>
+          <a:bodyPr/>
+          <a:lstStyle/>
+          <a:p>
+            <a:fld id="{369936ED-89B5-49BF-A03F-054AD1687037}" type="slidenum">
+              <a:rPr lang="vi-VN" smtClean="0"/>
+              <a:t>2</a:t>
+            </a:fld>
+            <a:endParaRPr lang="vi-VN"/>
+          </a:p>
+        </p:txBody>
+      </p:sp>
     </p:spTree>
     <p:extLst>
       <p:ext uri="{BB962C8B-B14F-4D97-AF65-F5344CB8AC3E}">
@@ -5719,6 +6010,35 @@
           </a:p>
         </p:txBody>
       </p:sp>
+      <p:sp>
+        <p:nvSpPr>
+          <p:cNvPr id="4" name="Chỗ dành sẵn cho Số hiệu Bản chiếu 3">
+            <a:extLst>
+              <a:ext uri="{FF2B5EF4-FFF2-40B4-BE49-F238E27FC236}">
+                <a16:creationId xmlns:a16="http://schemas.microsoft.com/office/drawing/2014/main" id="{3D660A56-36FE-4C32-8E3B-5E6810A25A88}"/>
+              </a:ext>
+            </a:extLst>
+          </p:cNvPr>
+          <p:cNvSpPr>
+            <a:spLocks noGrp="1"/>
+          </p:cNvSpPr>
+          <p:nvPr>
+            <p:ph type="sldNum" sz="quarter" idx="12"/>
+          </p:nvPr>
+        </p:nvSpPr>
+        <p:spPr/>
+        <p:txBody>
+          <a:bodyPr/>
+          <a:lstStyle/>
+          <a:p>
+            <a:fld id="{369936ED-89B5-49BF-A03F-054AD1687037}" type="slidenum">
+              <a:rPr lang="vi-VN" smtClean="0"/>
+              <a:t>3</a:t>
+            </a:fld>
+            <a:endParaRPr lang="vi-VN"/>
+          </a:p>
+        </p:txBody>
+      </p:sp>
     </p:spTree>
     <p:extLst>
       <p:ext uri="{BB962C8B-B14F-4D97-AF65-F5344CB8AC3E}">
@@ -5824,6 +6144,35 @@
           </a:p>
         </p:txBody>
       </p:sp>
+      <p:sp>
+        <p:nvSpPr>
+          <p:cNvPr id="4" name="Chỗ dành sẵn cho Số hiệu Bản chiếu 3">
+            <a:extLst>
+              <a:ext uri="{FF2B5EF4-FFF2-40B4-BE49-F238E27FC236}">
+                <a16:creationId xmlns:a16="http://schemas.microsoft.com/office/drawing/2014/main" id="{6A0962BF-8018-4A0C-AF53-68BC24546F6F}"/>
+              </a:ext>
+            </a:extLst>
+          </p:cNvPr>
+          <p:cNvSpPr>
+            <a:spLocks noGrp="1"/>
+          </p:cNvSpPr>
+          <p:nvPr>
+            <p:ph type="sldNum" sz="quarter" idx="12"/>
+          </p:nvPr>
+        </p:nvSpPr>
+        <p:spPr/>
+        <p:txBody>
+          <a:bodyPr/>
+          <a:lstStyle/>
+          <a:p>
+            <a:fld id="{369936ED-89B5-49BF-A03F-054AD1687037}" type="slidenum">
+              <a:rPr lang="vi-VN" smtClean="0"/>
+              <a:t>4</a:t>
+            </a:fld>
+            <a:endParaRPr lang="vi-VN"/>
+          </a:p>
+        </p:txBody>
+      </p:sp>
     </p:spTree>
     <p:extLst>
       <p:ext uri="{BB962C8B-B14F-4D97-AF65-F5344CB8AC3E}">
@@ -5911,6 +6260,35 @@
           </a:xfrm>
         </p:spPr>
       </p:pic>
+      <p:sp>
+        <p:nvSpPr>
+          <p:cNvPr id="3" name="Chỗ dành sẵn cho Số hiệu Bản chiếu 2">
+            <a:extLst>
+              <a:ext uri="{FF2B5EF4-FFF2-40B4-BE49-F238E27FC236}">
+                <a16:creationId xmlns:a16="http://schemas.microsoft.com/office/drawing/2014/main" id="{5F3B3F34-969F-4CDE-BE36-4A1CC8BAB173}"/>
+              </a:ext>
+            </a:extLst>
+          </p:cNvPr>
+          <p:cNvSpPr>
+            <a:spLocks noGrp="1"/>
+          </p:cNvSpPr>
+          <p:nvPr>
+            <p:ph type="sldNum" sz="quarter" idx="12"/>
+          </p:nvPr>
+        </p:nvSpPr>
+        <p:spPr/>
+        <p:txBody>
+          <a:bodyPr/>
+          <a:lstStyle/>
+          <a:p>
+            <a:fld id="{369936ED-89B5-49BF-A03F-054AD1687037}" type="slidenum">
+              <a:rPr lang="vi-VN" smtClean="0"/>
+              <a:t>5</a:t>
+            </a:fld>
+            <a:endParaRPr lang="vi-VN"/>
+          </a:p>
+        </p:txBody>
+      </p:sp>
     </p:spTree>
     <p:extLst>
       <p:ext uri="{BB962C8B-B14F-4D97-AF65-F5344CB8AC3E}">
@@ -6044,6 +6422,35 @@
           <a:lstStyle/>
           <a:p>
             <a:pPr algn="ctr"/>
+            <a:endParaRPr lang="vi-VN"/>
+          </a:p>
+        </p:txBody>
+      </p:sp>
+      <p:sp>
+        <p:nvSpPr>
+          <p:cNvPr id="3" name="Chỗ dành sẵn cho Số hiệu Bản chiếu 2">
+            <a:extLst>
+              <a:ext uri="{FF2B5EF4-FFF2-40B4-BE49-F238E27FC236}">
+                <a16:creationId xmlns:a16="http://schemas.microsoft.com/office/drawing/2014/main" id="{273F9D29-E63A-457A-8DBF-6C86D89FCD9B}"/>
+              </a:ext>
+            </a:extLst>
+          </p:cNvPr>
+          <p:cNvSpPr>
+            <a:spLocks noGrp="1"/>
+          </p:cNvSpPr>
+          <p:nvPr>
+            <p:ph type="sldNum" sz="quarter" idx="12"/>
+          </p:nvPr>
+        </p:nvSpPr>
+        <p:spPr/>
+        <p:txBody>
+          <a:bodyPr/>
+          <a:lstStyle/>
+          <a:p>
+            <a:fld id="{369936ED-89B5-49BF-A03F-054AD1687037}" type="slidenum">
+              <a:rPr lang="vi-VN" smtClean="0"/>
+              <a:t>6</a:t>
+            </a:fld>
             <a:endParaRPr lang="vi-VN"/>
           </a:p>
         </p:txBody>
@@ -6339,6 +6746,35 @@
           </a:p>
         </p:txBody>
       </p:sp>
+      <p:sp>
+        <p:nvSpPr>
+          <p:cNvPr id="3" name="Chỗ dành sẵn cho Số hiệu Bản chiếu 2">
+            <a:extLst>
+              <a:ext uri="{FF2B5EF4-FFF2-40B4-BE49-F238E27FC236}">
+                <a16:creationId xmlns:a16="http://schemas.microsoft.com/office/drawing/2014/main" id="{3364F8BE-C95A-4651-9858-0B51DCD9F44A}"/>
+              </a:ext>
+            </a:extLst>
+          </p:cNvPr>
+          <p:cNvSpPr>
+            <a:spLocks noGrp="1"/>
+          </p:cNvSpPr>
+          <p:nvPr>
+            <p:ph type="sldNum" sz="quarter" idx="12"/>
+          </p:nvPr>
+        </p:nvSpPr>
+        <p:spPr/>
+        <p:txBody>
+          <a:bodyPr/>
+          <a:lstStyle/>
+          <a:p>
+            <a:fld id="{369936ED-89B5-49BF-A03F-054AD1687037}" type="slidenum">
+              <a:rPr lang="vi-VN" smtClean="0"/>
+              <a:t>7</a:t>
+            </a:fld>
+            <a:endParaRPr lang="vi-VN"/>
+          </a:p>
+        </p:txBody>
+      </p:sp>
     </p:spTree>
     <p:extLst>
       <p:ext uri="{BB962C8B-B14F-4D97-AF65-F5344CB8AC3E}">
@@ -6459,6 +6895,35 @@
           </a:p>
         </p:txBody>
       </p:sp>
+      <p:sp>
+        <p:nvSpPr>
+          <p:cNvPr id="4" name="Chỗ dành sẵn cho Số hiệu Bản chiếu 3">
+            <a:extLst>
+              <a:ext uri="{FF2B5EF4-FFF2-40B4-BE49-F238E27FC236}">
+                <a16:creationId xmlns:a16="http://schemas.microsoft.com/office/drawing/2014/main" id="{6D34DCBA-A846-4698-9DAA-69D879928CE6}"/>
+              </a:ext>
+            </a:extLst>
+          </p:cNvPr>
+          <p:cNvSpPr>
+            <a:spLocks noGrp="1"/>
+          </p:cNvSpPr>
+          <p:nvPr>
+            <p:ph type="sldNum" sz="quarter" idx="12"/>
+          </p:nvPr>
+        </p:nvSpPr>
+        <p:spPr/>
+        <p:txBody>
+          <a:bodyPr/>
+          <a:lstStyle/>
+          <a:p>
+            <a:fld id="{369936ED-89B5-49BF-A03F-054AD1687037}" type="slidenum">
+              <a:rPr lang="vi-VN" smtClean="0"/>
+              <a:t>8</a:t>
+            </a:fld>
+            <a:endParaRPr lang="vi-VN"/>
+          </a:p>
+        </p:txBody>
+      </p:sp>
     </p:spTree>
     <p:extLst>
       <p:ext uri="{BB962C8B-B14F-4D97-AF65-F5344CB8AC3E}">
@@ -6632,6 +7097,35 @@
               <a:rPr lang="en-US"/>
               <a:t>	[Loại thao tác] …</a:t>
             </a:r>
+            <a:endParaRPr lang="vi-VN"/>
+          </a:p>
+        </p:txBody>
+      </p:sp>
+      <p:sp>
+        <p:nvSpPr>
+          <p:cNvPr id="4" name="Chỗ dành sẵn cho Số hiệu Bản chiếu 3">
+            <a:extLst>
+              <a:ext uri="{FF2B5EF4-FFF2-40B4-BE49-F238E27FC236}">
+                <a16:creationId xmlns:a16="http://schemas.microsoft.com/office/drawing/2014/main" id="{B4FC2CA2-BB4E-42D5-B418-C931BFBBA080}"/>
+              </a:ext>
+            </a:extLst>
+          </p:cNvPr>
+          <p:cNvSpPr>
+            <a:spLocks noGrp="1"/>
+          </p:cNvSpPr>
+          <p:nvPr>
+            <p:ph type="sldNum" sz="quarter" idx="12"/>
+          </p:nvPr>
+        </p:nvSpPr>
+        <p:spPr/>
+        <p:txBody>
+          <a:bodyPr/>
+          <a:lstStyle/>
+          <a:p>
+            <a:fld id="{369936ED-89B5-49BF-A03F-054AD1687037}" type="slidenum">
+              <a:rPr lang="vi-VN" smtClean="0"/>
+              <a:t>9</a:t>
+            </a:fld>
             <a:endParaRPr lang="vi-VN"/>
           </a:p>
         </p:txBody>
